--- a/_site/assets/images/MIT6.S191/lec3/original.pptx
+++ b/_site/assets/images/MIT6.S191/lec3/original.pptx
@@ -29059,7 +29059,9 @@
               <a:ext cx="4813300" cy="2861734"/>
             </a:xfrm>
             <a:prstGeom prst="roundRect">
-              <a:avLst/>
+              <a:avLst>
+                <a:gd name="adj" fmla="val 11804"/>
+              </a:avLst>
             </a:prstGeom>
             <a:solidFill>
               <a:schemeClr val="bg1"/>
